--- a/Day30/DockerAndKubernetes_Training-Day30.pptx
+++ b/Day30/DockerAndKubernetes_Training-Day30.pptx
@@ -5,12 +5,14 @@
     <p:sldMasterId id="2147483880" r:id="rId1"/>
   </p:sldMasterIdLst>
   <p:notesMasterIdLst>
-    <p:notesMasterId r:id="rId5"/>
+    <p:notesMasterId r:id="rId7"/>
   </p:notesMasterIdLst>
   <p:sldIdLst>
     <p:sldId id="439" r:id="rId2"/>
     <p:sldId id="449" r:id="rId3"/>
-    <p:sldId id="451" r:id="rId4"/>
+    <p:sldId id="452" r:id="rId4"/>
+    <p:sldId id="453" r:id="rId5"/>
+    <p:sldId id="451" r:id="rId6"/>
   </p:sldIdLst>
   <p:sldSz cx="12192000" cy="6858000"/>
   <p:notesSz cx="6858000" cy="9144000"/>
@@ -13790,7 +13792,7 @@
         </p:nvSpPr>
         <p:spPr>
           <a:xfrm>
-            <a:off x="717453" y="2445934"/>
+            <a:off x="717453" y="2431866"/>
             <a:ext cx="9411285" cy="3727937"/>
           </a:xfrm>
           <a:prstGeom prst="rect">
@@ -14042,42 +14044,30 @@
           </a:p>
           <a:p>
             <a:r>
-              <a:rPr lang="en-US" dirty="0" err="1"/>
-              <a:t>Daemonset</a:t>
+              <a:rPr lang="en-US" dirty="0"/>
+              <a:t>Daemon set understanding, use-cases </a:t>
+            </a:r>
+          </a:p>
+          <a:p>
+            <a:r>
+              <a:rPr lang="en-US" dirty="0"/>
+              <a:t>Daemon set Demo</a:t>
+            </a:r>
+          </a:p>
+          <a:p>
+            <a:r>
+              <a:rPr lang="en-US" dirty="0"/>
+              <a:t>Stateful set understanding and use-cases</a:t>
+            </a:r>
+          </a:p>
+          <a:p>
+            <a:r>
+              <a:rPr lang="en-US"/>
+              <a:t>Stateful set </a:t>
             </a:r>
             <a:r>
               <a:rPr lang="en-US" dirty="0"/>
-              <a:t> understanding, use-cases </a:t>
-            </a:r>
-          </a:p>
-          <a:p>
-            <a:r>
-              <a:rPr lang="en-US" dirty="0" err="1"/>
-              <a:t>Daemonset</a:t>
-            </a:r>
-            <a:r>
-              <a:rPr lang="en-US" dirty="0"/>
-              <a:t> Demo</a:t>
-            </a:r>
-          </a:p>
-          <a:p>
-            <a:r>
-              <a:rPr lang="en-US" dirty="0" err="1"/>
-              <a:t>Statefulset</a:t>
-            </a:r>
-            <a:r>
-              <a:rPr lang="en-US" dirty="0"/>
-              <a:t> understanding and use-cases</a:t>
-            </a:r>
-          </a:p>
-          <a:p>
-            <a:r>
-              <a:rPr lang="en-US" dirty="0" err="1"/>
-              <a:t>Statefulset</a:t>
-            </a:r>
-            <a:r>
-              <a:rPr lang="en-US" dirty="0"/>
-              <a:t> Demo</a:t>
+              <a:t>Demo</a:t>
             </a:r>
           </a:p>
           <a:p>
@@ -14128,6 +14118,506 @@
 </file>
 
 <file path=ppt/slides/slide3.xml><?xml version="1.0" encoding="utf-8"?>
+<p:sld xmlns:a="http://schemas.openxmlformats.org/drawingml/2006/main" xmlns:r="http://schemas.openxmlformats.org/officeDocument/2006/relationships" xmlns:p="http://schemas.openxmlformats.org/presentationml/2006/main">
+  <p:cSld>
+    <p:spTree>
+      <p:nvGrpSpPr>
+        <p:cNvPr id="1" name=""/>
+        <p:cNvGrpSpPr/>
+        <p:nvPr/>
+      </p:nvGrpSpPr>
+      <p:grpSpPr>
+        <a:xfrm>
+          <a:off x="0" y="0"/>
+          <a:ext cx="0" cy="0"/>
+          <a:chOff x="0" y="0"/>
+          <a:chExt cx="0" cy="0"/>
+        </a:xfrm>
+      </p:grpSpPr>
+      <p:sp>
+        <p:nvSpPr>
+          <p:cNvPr id="2" name="Title 1">
+            <a:extLst>
+              <a:ext uri="{FF2B5EF4-FFF2-40B4-BE49-F238E27FC236}">
+                <a16:creationId xmlns:a16="http://schemas.microsoft.com/office/drawing/2014/main" id="{E56F869C-A1E7-4989-E938-BA5DE46D1FD1}"/>
+              </a:ext>
+            </a:extLst>
+          </p:cNvPr>
+          <p:cNvSpPr>
+            <a:spLocks noGrp="1"/>
+          </p:cNvSpPr>
+          <p:nvPr>
+            <p:ph type="title"/>
+          </p:nvPr>
+        </p:nvSpPr>
+        <p:spPr>
+          <a:xfrm>
+            <a:off x="717453" y="973668"/>
+            <a:ext cx="9198914" cy="706964"/>
+          </a:xfrm>
+        </p:spPr>
+        <p:txBody>
+          <a:bodyPr>
+            <a:normAutofit/>
+          </a:bodyPr>
+          <a:lstStyle/>
+          <a:p>
+            <a:r>
+              <a:rPr lang="en-US" dirty="0"/>
+              <a:t>Daemon sets - Understanding</a:t>
+            </a:r>
+            <a:endParaRPr lang="en-IN" dirty="0"/>
+          </a:p>
+        </p:txBody>
+      </p:sp>
+      <p:pic>
+        <p:nvPicPr>
+          <p:cNvPr id="5" name="Picture 4">
+            <a:extLst>
+              <a:ext uri="{FF2B5EF4-FFF2-40B4-BE49-F238E27FC236}">
+                <a16:creationId xmlns:a16="http://schemas.microsoft.com/office/drawing/2014/main" id="{D761F110-B9C0-9BFE-6FD5-B3F95AD77EE4}"/>
+              </a:ext>
+            </a:extLst>
+          </p:cNvPr>
+          <p:cNvPicPr>
+            <a:picLocks noChangeAspect="1"/>
+          </p:cNvPicPr>
+          <p:nvPr/>
+        </p:nvPicPr>
+        <p:blipFill>
+          <a:blip r:embed="rId2"/>
+          <a:stretch>
+            <a:fillRect/>
+          </a:stretch>
+        </p:blipFill>
+        <p:spPr>
+          <a:xfrm>
+            <a:off x="0" y="2433711"/>
+            <a:ext cx="5941676" cy="3882683"/>
+          </a:xfrm>
+          <a:prstGeom prst="rect">
+            <a:avLst/>
+          </a:prstGeom>
+        </p:spPr>
+      </p:pic>
+      <p:pic>
+        <p:nvPicPr>
+          <p:cNvPr id="7" name="Picture 6">
+            <a:extLst>
+              <a:ext uri="{FF2B5EF4-FFF2-40B4-BE49-F238E27FC236}">
+                <a16:creationId xmlns:a16="http://schemas.microsoft.com/office/drawing/2014/main" id="{93405416-B88D-F587-1C71-D04487263F1E}"/>
+              </a:ext>
+            </a:extLst>
+          </p:cNvPr>
+          <p:cNvPicPr>
+            <a:picLocks noChangeAspect="1"/>
+          </p:cNvPicPr>
+          <p:nvPr/>
+        </p:nvPicPr>
+        <p:blipFill>
+          <a:blip r:embed="rId3"/>
+          <a:stretch>
+            <a:fillRect/>
+          </a:stretch>
+        </p:blipFill>
+        <p:spPr>
+          <a:xfrm>
+            <a:off x="5941676" y="2401011"/>
+            <a:ext cx="6096001" cy="4056060"/>
+          </a:xfrm>
+          <a:prstGeom prst="rect">
+            <a:avLst/>
+          </a:prstGeom>
+        </p:spPr>
+      </p:pic>
+    </p:spTree>
+    <p:extLst>
+      <p:ext uri="{BB962C8B-B14F-4D97-AF65-F5344CB8AC3E}">
+        <p14:creationId xmlns:p14="http://schemas.microsoft.com/office/powerpoint/2010/main" val="1364105956"/>
+      </p:ext>
+    </p:extLst>
+  </p:cSld>
+  <p:clrMapOvr>
+    <a:masterClrMapping/>
+  </p:clrMapOvr>
+  <p:timing>
+    <p:tnLst>
+      <p:par>
+        <p:cTn id="1" dur="indefinite" restart="never" nodeType="tmRoot">
+          <p:childTnLst>
+            <p:seq concurrent="1" nextAc="seek">
+              <p:cTn id="2" dur="indefinite" nodeType="mainSeq">
+                <p:childTnLst>
+                  <p:par>
+                    <p:cTn id="3" fill="hold">
+                      <p:stCondLst>
+                        <p:cond delay="indefinite"/>
+                      </p:stCondLst>
+                      <p:childTnLst>
+                        <p:par>
+                          <p:cTn id="4" fill="hold">
+                            <p:stCondLst>
+                              <p:cond delay="0"/>
+                            </p:stCondLst>
+                            <p:childTnLst>
+                              <p:par>
+                                <p:cTn id="5" presetID="10" presetClass="entr" presetSubtype="0" fill="hold" nodeType="clickEffect">
+                                  <p:stCondLst>
+                                    <p:cond delay="0"/>
+                                  </p:stCondLst>
+                                  <p:childTnLst>
+                                    <p:set>
+                                      <p:cBhvr>
+                                        <p:cTn id="6" dur="1" fill="hold">
+                                          <p:stCondLst>
+                                            <p:cond delay="0"/>
+                                          </p:stCondLst>
+                                        </p:cTn>
+                                        <p:tgtEl>
+                                          <p:spTgt spid="5"/>
+                                        </p:tgtEl>
+                                        <p:attrNameLst>
+                                          <p:attrName>style.visibility</p:attrName>
+                                        </p:attrNameLst>
+                                      </p:cBhvr>
+                                      <p:to>
+                                        <p:strVal val="visible"/>
+                                      </p:to>
+                                    </p:set>
+                                    <p:animEffect transition="in" filter="fade">
+                                      <p:cBhvr>
+                                        <p:cTn id="7" dur="500"/>
+                                        <p:tgtEl>
+                                          <p:spTgt spid="5"/>
+                                        </p:tgtEl>
+                                      </p:cBhvr>
+                                    </p:animEffect>
+                                  </p:childTnLst>
+                                </p:cTn>
+                              </p:par>
+                            </p:childTnLst>
+                          </p:cTn>
+                        </p:par>
+                      </p:childTnLst>
+                    </p:cTn>
+                  </p:par>
+                  <p:par>
+                    <p:cTn id="8" fill="hold">
+                      <p:stCondLst>
+                        <p:cond delay="indefinite"/>
+                      </p:stCondLst>
+                      <p:childTnLst>
+                        <p:par>
+                          <p:cTn id="9" fill="hold">
+                            <p:stCondLst>
+                              <p:cond delay="0"/>
+                            </p:stCondLst>
+                            <p:childTnLst>
+                              <p:par>
+                                <p:cTn id="10" presetID="1" presetClass="entr" presetSubtype="0" fill="hold" nodeType="clickEffect">
+                                  <p:stCondLst>
+                                    <p:cond delay="0"/>
+                                  </p:stCondLst>
+                                  <p:childTnLst>
+                                    <p:set>
+                                      <p:cBhvr>
+                                        <p:cTn id="11" dur="1" fill="hold">
+                                          <p:stCondLst>
+                                            <p:cond delay="0"/>
+                                          </p:stCondLst>
+                                        </p:cTn>
+                                        <p:tgtEl>
+                                          <p:spTgt spid="7"/>
+                                        </p:tgtEl>
+                                        <p:attrNameLst>
+                                          <p:attrName>style.visibility</p:attrName>
+                                        </p:attrNameLst>
+                                      </p:cBhvr>
+                                      <p:to>
+                                        <p:strVal val="visible"/>
+                                      </p:to>
+                                    </p:set>
+                                  </p:childTnLst>
+                                </p:cTn>
+                              </p:par>
+                            </p:childTnLst>
+                          </p:cTn>
+                        </p:par>
+                      </p:childTnLst>
+                    </p:cTn>
+                  </p:par>
+                </p:childTnLst>
+              </p:cTn>
+              <p:prevCondLst>
+                <p:cond evt="onPrev" delay="0">
+                  <p:tgtEl>
+                    <p:sldTgt/>
+                  </p:tgtEl>
+                </p:cond>
+              </p:prevCondLst>
+              <p:nextCondLst>
+                <p:cond evt="onNext" delay="0">
+                  <p:tgtEl>
+                    <p:sldTgt/>
+                  </p:tgtEl>
+                </p:cond>
+              </p:nextCondLst>
+            </p:seq>
+          </p:childTnLst>
+        </p:cTn>
+      </p:par>
+    </p:tnLst>
+  </p:timing>
+</p:sld>
+</file>
+
+<file path=ppt/slides/slide4.xml><?xml version="1.0" encoding="utf-8"?>
+<p:sld xmlns:a="http://schemas.openxmlformats.org/drawingml/2006/main" xmlns:r="http://schemas.openxmlformats.org/officeDocument/2006/relationships" xmlns:p="http://schemas.openxmlformats.org/presentationml/2006/main">
+  <p:cSld>
+    <p:spTree>
+      <p:nvGrpSpPr>
+        <p:cNvPr id="1" name=""/>
+        <p:cNvGrpSpPr/>
+        <p:nvPr/>
+      </p:nvGrpSpPr>
+      <p:grpSpPr>
+        <a:xfrm>
+          <a:off x="0" y="0"/>
+          <a:ext cx="0" cy="0"/>
+          <a:chOff x="0" y="0"/>
+          <a:chExt cx="0" cy="0"/>
+        </a:xfrm>
+      </p:grpSpPr>
+      <p:sp>
+        <p:nvSpPr>
+          <p:cNvPr id="2" name="Title 1">
+            <a:extLst>
+              <a:ext uri="{FF2B5EF4-FFF2-40B4-BE49-F238E27FC236}">
+                <a16:creationId xmlns:a16="http://schemas.microsoft.com/office/drawing/2014/main" id="{E56F869C-A1E7-4989-E938-BA5DE46D1FD1}"/>
+              </a:ext>
+            </a:extLst>
+          </p:cNvPr>
+          <p:cNvSpPr>
+            <a:spLocks noGrp="1"/>
+          </p:cNvSpPr>
+          <p:nvPr>
+            <p:ph type="title"/>
+          </p:nvPr>
+        </p:nvSpPr>
+        <p:spPr>
+          <a:xfrm>
+            <a:off x="717453" y="973668"/>
+            <a:ext cx="9198914" cy="706964"/>
+          </a:xfrm>
+        </p:spPr>
+        <p:txBody>
+          <a:bodyPr>
+            <a:normAutofit/>
+          </a:bodyPr>
+          <a:lstStyle/>
+          <a:p>
+            <a:r>
+              <a:rPr lang="en-US" dirty="0"/>
+              <a:t>Daemon sets – Use Cases</a:t>
+            </a:r>
+            <a:endParaRPr lang="en-IN" dirty="0"/>
+          </a:p>
+        </p:txBody>
+      </p:sp>
+      <p:pic>
+        <p:nvPicPr>
+          <p:cNvPr id="4" name="Picture 3">
+            <a:extLst>
+              <a:ext uri="{FF2B5EF4-FFF2-40B4-BE49-F238E27FC236}">
+                <a16:creationId xmlns:a16="http://schemas.microsoft.com/office/drawing/2014/main" id="{15EC174D-9677-ECD1-59BA-3F0683E2AC8C}"/>
+              </a:ext>
+            </a:extLst>
+          </p:cNvPr>
+          <p:cNvPicPr>
+            <a:picLocks noChangeAspect="1"/>
+          </p:cNvPicPr>
+          <p:nvPr/>
+        </p:nvPicPr>
+        <p:blipFill>
+          <a:blip r:embed="rId2"/>
+          <a:stretch>
+            <a:fillRect/>
+          </a:stretch>
+        </p:blipFill>
+        <p:spPr>
+          <a:xfrm>
+            <a:off x="154323" y="2401011"/>
+            <a:ext cx="5641565" cy="3711867"/>
+          </a:xfrm>
+          <a:prstGeom prst="rect">
+            <a:avLst/>
+          </a:prstGeom>
+        </p:spPr>
+      </p:pic>
+      <p:pic>
+        <p:nvPicPr>
+          <p:cNvPr id="8" name="Picture 7">
+            <a:extLst>
+              <a:ext uri="{FF2B5EF4-FFF2-40B4-BE49-F238E27FC236}">
+                <a16:creationId xmlns:a16="http://schemas.microsoft.com/office/drawing/2014/main" id="{DD56ADF1-7255-66EE-514C-F5AD30202ACA}"/>
+              </a:ext>
+            </a:extLst>
+          </p:cNvPr>
+          <p:cNvPicPr>
+            <a:picLocks noChangeAspect="1"/>
+          </p:cNvPicPr>
+          <p:nvPr/>
+        </p:nvPicPr>
+        <p:blipFill>
+          <a:blip r:embed="rId3"/>
+          <a:stretch>
+            <a:fillRect/>
+          </a:stretch>
+        </p:blipFill>
+        <p:spPr>
+          <a:xfrm>
+            <a:off x="5795888" y="2401010"/>
+            <a:ext cx="6396111" cy="3711867"/>
+          </a:xfrm>
+          <a:prstGeom prst="rect">
+            <a:avLst/>
+          </a:prstGeom>
+        </p:spPr>
+      </p:pic>
+    </p:spTree>
+    <p:extLst>
+      <p:ext uri="{BB962C8B-B14F-4D97-AF65-F5344CB8AC3E}">
+        <p14:creationId xmlns:p14="http://schemas.microsoft.com/office/powerpoint/2010/main" val="296239625"/>
+      </p:ext>
+    </p:extLst>
+  </p:cSld>
+  <p:clrMapOvr>
+    <a:masterClrMapping/>
+  </p:clrMapOvr>
+  <p:timing>
+    <p:tnLst>
+      <p:par>
+        <p:cTn id="1" dur="indefinite" restart="never" nodeType="tmRoot">
+          <p:childTnLst>
+            <p:seq concurrent="1" nextAc="seek">
+              <p:cTn id="2" dur="indefinite" nodeType="mainSeq">
+                <p:childTnLst>
+                  <p:par>
+                    <p:cTn id="3" fill="hold">
+                      <p:stCondLst>
+                        <p:cond delay="indefinite"/>
+                      </p:stCondLst>
+                      <p:childTnLst>
+                        <p:par>
+                          <p:cTn id="4" fill="hold">
+                            <p:stCondLst>
+                              <p:cond delay="0"/>
+                            </p:stCondLst>
+                            <p:childTnLst>
+                              <p:par>
+                                <p:cTn id="5" presetID="1" presetClass="entr" presetSubtype="0" fill="hold" nodeType="clickEffect">
+                                  <p:stCondLst>
+                                    <p:cond delay="0"/>
+                                  </p:stCondLst>
+                                  <p:childTnLst>
+                                    <p:set>
+                                      <p:cBhvr>
+                                        <p:cTn id="6" dur="1" fill="hold">
+                                          <p:stCondLst>
+                                            <p:cond delay="0"/>
+                                          </p:stCondLst>
+                                        </p:cTn>
+                                        <p:tgtEl>
+                                          <p:spTgt spid="4"/>
+                                        </p:tgtEl>
+                                        <p:attrNameLst>
+                                          <p:attrName>style.visibility</p:attrName>
+                                        </p:attrNameLst>
+                                      </p:cBhvr>
+                                      <p:to>
+                                        <p:strVal val="visible"/>
+                                      </p:to>
+                                    </p:set>
+                                  </p:childTnLst>
+                                </p:cTn>
+                              </p:par>
+                            </p:childTnLst>
+                          </p:cTn>
+                        </p:par>
+                      </p:childTnLst>
+                    </p:cTn>
+                  </p:par>
+                  <p:par>
+                    <p:cTn id="7" fill="hold">
+                      <p:stCondLst>
+                        <p:cond delay="indefinite"/>
+                      </p:stCondLst>
+                      <p:childTnLst>
+                        <p:par>
+                          <p:cTn id="8" fill="hold">
+                            <p:stCondLst>
+                              <p:cond delay="0"/>
+                            </p:stCondLst>
+                            <p:childTnLst>
+                              <p:par>
+                                <p:cTn id="9" presetID="1" presetClass="entr" presetSubtype="0" fill="hold" nodeType="clickEffect">
+                                  <p:stCondLst>
+                                    <p:cond delay="0"/>
+                                  </p:stCondLst>
+                                  <p:childTnLst>
+                                    <p:set>
+                                      <p:cBhvr>
+                                        <p:cTn id="10" dur="1" fill="hold">
+                                          <p:stCondLst>
+                                            <p:cond delay="0"/>
+                                          </p:stCondLst>
+                                        </p:cTn>
+                                        <p:tgtEl>
+                                          <p:spTgt spid="8"/>
+                                        </p:tgtEl>
+                                        <p:attrNameLst>
+                                          <p:attrName>style.visibility</p:attrName>
+                                        </p:attrNameLst>
+                                      </p:cBhvr>
+                                      <p:to>
+                                        <p:strVal val="visible"/>
+                                      </p:to>
+                                    </p:set>
+                                  </p:childTnLst>
+                                </p:cTn>
+                              </p:par>
+                            </p:childTnLst>
+                          </p:cTn>
+                        </p:par>
+                      </p:childTnLst>
+                    </p:cTn>
+                  </p:par>
+                </p:childTnLst>
+              </p:cTn>
+              <p:prevCondLst>
+                <p:cond evt="onPrev" delay="0">
+                  <p:tgtEl>
+                    <p:sldTgt/>
+                  </p:tgtEl>
+                </p:cond>
+              </p:prevCondLst>
+              <p:nextCondLst>
+                <p:cond evt="onNext" delay="0">
+                  <p:tgtEl>
+                    <p:sldTgt/>
+                  </p:tgtEl>
+                </p:cond>
+              </p:nextCondLst>
+            </p:seq>
+          </p:childTnLst>
+        </p:cTn>
+      </p:par>
+    </p:tnLst>
+  </p:timing>
+</p:sld>
+</file>
+
+<file path=ppt/slides/slide5.xml><?xml version="1.0" encoding="utf-8"?>
 <p:sld xmlns:a="http://schemas.openxmlformats.org/drawingml/2006/main" xmlns:r="http://schemas.openxmlformats.org/officeDocument/2006/relationships" xmlns:p="http://schemas.openxmlformats.org/presentationml/2006/main">
   <p:cSld>
     <p:spTree>

--- a/Day30/DockerAndKubernetes_Training-Day30.pptx
+++ b/Day30/DockerAndKubernetes_Training-Day30.pptx
@@ -201,7 +201,7 @@
           <a:p>
             <a:fld id="{B09F413D-6E72-4B8A-80ED-A580F7C91B71}" type="datetimeFigureOut">
               <a:rPr lang="en-IN" smtClean="0"/>
-              <a:t>14-05-2023</a:t>
+              <a:t>15-05-2023</a:t>
             </a:fld>
             <a:endParaRPr lang="en-IN"/>
           </a:p>
@@ -804,7 +804,7 @@
           <a:p>
             <a:fld id="{12E8600E-B0EE-4521-BF40-4B72FBA06775}" type="datetimeFigureOut">
               <a:rPr lang="en-IN" smtClean="0"/>
-              <a:t>14-05-2023</a:t>
+              <a:t>15-05-2023</a:t>
             </a:fld>
             <a:endParaRPr lang="en-IN"/>
           </a:p>
@@ -1893,7 +1893,7 @@
             <a:fld id="{49F3E739-D457-46E5-B626-C9B182A007EE}" type="datetimeFigureOut">
               <a:rPr lang="en-US" smtClean="0"/>
               <a:pPr/>
-              <a:t>5/14/2023</a:t>
+              <a:t>5/15/2023</a:t>
             </a:fld>
             <a:endParaRPr lang="en-US"/>
           </a:p>
@@ -2875,7 +2875,7 @@
             <a:fld id="{49F3E739-D457-46E5-B626-C9B182A007EE}" type="datetimeFigureOut">
               <a:rPr lang="en-US" smtClean="0"/>
               <a:pPr/>
-              <a:t>5/14/2023</a:t>
+              <a:t>5/15/2023</a:t>
             </a:fld>
             <a:endParaRPr lang="en-US"/>
           </a:p>
@@ -4011,7 +4011,7 @@
             <a:fld id="{49F3E739-D457-46E5-B626-C9B182A007EE}" type="datetimeFigureOut">
               <a:rPr lang="en-US" smtClean="0"/>
               <a:pPr/>
-              <a:t>5/14/2023</a:t>
+              <a:t>5/15/2023</a:t>
             </a:fld>
             <a:endParaRPr lang="en-US"/>
           </a:p>
@@ -5046,7 +5046,7 @@
             <a:fld id="{49F3E739-D457-46E5-B626-C9B182A007EE}" type="datetimeFigureOut">
               <a:rPr lang="en-US" smtClean="0"/>
               <a:pPr/>
-              <a:t>5/14/2023</a:t>
+              <a:t>5/15/2023</a:t>
             </a:fld>
             <a:endParaRPr lang="en-US"/>
           </a:p>
@@ -5708,7 +5708,7 @@
             <a:fld id="{49F3E739-D457-46E5-B626-C9B182A007EE}" type="datetimeFigureOut">
               <a:rPr lang="en-US" smtClean="0"/>
               <a:pPr/>
-              <a:t>5/14/2023</a:t>
+              <a:t>5/15/2023</a:t>
             </a:fld>
             <a:endParaRPr lang="en-US"/>
           </a:p>
@@ -6571,7 +6571,7 @@
             <a:fld id="{49F3E739-D457-46E5-B626-C9B182A007EE}" type="datetimeFigureOut">
               <a:rPr lang="en-US" smtClean="0"/>
               <a:pPr/>
-              <a:t>5/14/2023</a:t>
+              <a:t>5/15/2023</a:t>
             </a:fld>
             <a:endParaRPr lang="en-US"/>
           </a:p>
@@ -6762,7 +6762,7 @@
           <a:p>
             <a:fld id="{12E8600E-B0EE-4521-BF40-4B72FBA06775}" type="datetimeFigureOut">
               <a:rPr lang="en-IN" smtClean="0"/>
-              <a:t>14-05-2023</a:t>
+              <a:t>15-05-2023</a:t>
             </a:fld>
             <a:endParaRPr lang="en-IN"/>
           </a:p>
@@ -7734,7 +7734,7 @@
           <a:p>
             <a:fld id="{12E8600E-B0EE-4521-BF40-4B72FBA06775}" type="datetimeFigureOut">
               <a:rPr lang="en-IN" smtClean="0"/>
-              <a:t>14-05-2023</a:t>
+              <a:t>15-05-2023</a:t>
             </a:fld>
             <a:endParaRPr lang="en-IN"/>
           </a:p>
@@ -7945,7 +7945,7 @@
           <a:p>
             <a:fld id="{12E8600E-B0EE-4521-BF40-4B72FBA06775}" type="datetimeFigureOut">
               <a:rPr lang="en-IN" smtClean="0"/>
-              <a:t>14-05-2023</a:t>
+              <a:t>15-05-2023</a:t>
             </a:fld>
             <a:endParaRPr lang="en-IN"/>
           </a:p>
@@ -8979,7 +8979,7 @@
           <a:p>
             <a:fld id="{12E8600E-B0EE-4521-BF40-4B72FBA06775}" type="datetimeFigureOut">
               <a:rPr lang="en-IN" smtClean="0"/>
-              <a:t>14-05-2023</a:t>
+              <a:t>15-05-2023</a:t>
             </a:fld>
             <a:endParaRPr lang="en-IN"/>
           </a:p>
@@ -9251,7 +9251,7 @@
           <a:p>
             <a:fld id="{12E8600E-B0EE-4521-BF40-4B72FBA06775}" type="datetimeFigureOut">
               <a:rPr lang="en-IN" smtClean="0"/>
-              <a:t>14-05-2023</a:t>
+              <a:t>15-05-2023</a:t>
             </a:fld>
             <a:endParaRPr lang="en-IN"/>
           </a:p>
@@ -9662,7 +9662,7 @@
             <a:fld id="{49F3E739-D457-46E5-B626-C9B182A007EE}" type="datetimeFigureOut">
               <a:rPr lang="en-US" smtClean="0"/>
               <a:pPr/>
-              <a:t>5/14/2023</a:t>
+              <a:t>5/15/2023</a:t>
             </a:fld>
             <a:endParaRPr lang="en-US"/>
           </a:p>
@@ -9790,7 +9790,7 @@
           <a:p>
             <a:fld id="{12E8600E-B0EE-4521-BF40-4B72FBA06775}" type="datetimeFigureOut">
               <a:rPr lang="en-IN" smtClean="0"/>
-              <a:t>14-05-2023</a:t>
+              <a:t>15-05-2023</a:t>
             </a:fld>
             <a:endParaRPr lang="en-IN"/>
           </a:p>
@@ -9885,7 +9885,7 @@
           <a:p>
             <a:fld id="{12E8600E-B0EE-4521-BF40-4B72FBA06775}" type="datetimeFigureOut">
               <a:rPr lang="en-IN" smtClean="0"/>
-              <a:t>14-05-2023</a:t>
+              <a:t>15-05-2023</a:t>
             </a:fld>
             <a:endParaRPr lang="en-IN"/>
           </a:p>
@@ -10966,7 +10966,7 @@
           <a:p>
             <a:fld id="{12E8600E-B0EE-4521-BF40-4B72FBA06775}" type="datetimeFigureOut">
               <a:rPr lang="en-IN" smtClean="0"/>
-              <a:t>14-05-2023</a:t>
+              <a:t>15-05-2023</a:t>
             </a:fld>
             <a:endParaRPr lang="en-IN"/>
           </a:p>
@@ -12075,7 +12075,7 @@
             <a:fld id="{49F3E739-D457-46E5-B626-C9B182A007EE}" type="datetimeFigureOut">
               <a:rPr lang="en-US" smtClean="0"/>
               <a:pPr/>
-              <a:t>5/14/2023</a:t>
+              <a:t>5/15/2023</a:t>
             </a:fld>
             <a:endParaRPr lang="en-US"/>
           </a:p>
@@ -13074,7 +13074,7 @@
             <a:fld id="{49F3E739-D457-46E5-B626-C9B182A007EE}" type="datetimeFigureOut">
               <a:rPr lang="en-US" smtClean="0"/>
               <a:pPr/>
-              <a:t>5/14/2023</a:t>
+              <a:t>5/15/2023</a:t>
             </a:fld>
             <a:endParaRPr lang="en-US"/>
           </a:p>
@@ -14051,29 +14051,12 @@
           <a:p>
             <a:r>
               <a:rPr lang="en-US" dirty="0"/>
-              <a:t>Daemon set Demo</a:t>
+              <a:t>Daemon </a:t>
             </a:r>
-          </a:p>
-          <a:p>
-            <a:r>
-              <a:rPr lang="en-US" dirty="0"/>
-              <a:t>Stateful set understanding and use-cases</a:t>
-            </a:r>
-          </a:p>
-          <a:p>
             <a:r>
               <a:rPr lang="en-US"/>
-              <a:t>Stateful set </a:t>
+              <a:t>set Demo</a:t>
             </a:r>
-            <a:r>
-              <a:rPr lang="en-US" dirty="0"/>
-              <a:t>Demo</a:t>
-            </a:r>
-          </a:p>
-          <a:p>
-            <a:pPr marL="1371600" lvl="3" indent="0">
-              <a:buNone/>
-            </a:pPr>
             <a:endParaRPr lang="en-US" dirty="0"/>
           </a:p>
           <a:p>
